--- a/Slide_ITSA_Basics/ITSA Basics_26_30.pptx
+++ b/Slide_ITSA_Basics/ITSA Basics_26_30.pptx
@@ -7,15 +7,21 @@
   <p:sldIdLst>
     <p:sldId id="257" r:id="rId2"/>
     <p:sldId id="260" r:id="rId3"/>
-    <p:sldId id="270" r:id="rId4"/>
-    <p:sldId id="261" r:id="rId5"/>
-    <p:sldId id="265" r:id="rId6"/>
-    <p:sldId id="262" r:id="rId7"/>
-    <p:sldId id="259" r:id="rId8"/>
-    <p:sldId id="266" r:id="rId9"/>
-    <p:sldId id="268" r:id="rId10"/>
-    <p:sldId id="267" r:id="rId11"/>
-    <p:sldId id="269" r:id="rId12"/>
+    <p:sldId id="271" r:id="rId4"/>
+    <p:sldId id="270" r:id="rId5"/>
+    <p:sldId id="261" r:id="rId6"/>
+    <p:sldId id="272" r:id="rId7"/>
+    <p:sldId id="265" r:id="rId8"/>
+    <p:sldId id="262" r:id="rId9"/>
+    <p:sldId id="273" r:id="rId10"/>
+    <p:sldId id="259" r:id="rId11"/>
+    <p:sldId id="266" r:id="rId12"/>
+    <p:sldId id="274" r:id="rId13"/>
+    <p:sldId id="275" r:id="rId14"/>
+    <p:sldId id="268" r:id="rId15"/>
+    <p:sldId id="267" r:id="rId16"/>
+    <p:sldId id="276" r:id="rId17"/>
+    <p:sldId id="269" r:id="rId18"/>
   </p:sldIdLst>
   <p:sldSz cx="9144000" cy="5715000" type="screen16x10"/>
   <p:notesSz cx="6858000" cy="9144000"/>
@@ -16258,7 +16264,7 @@
           <a:p>
             <a:fld id="{F6FA2B21-3FCD-4721-B95C-427943F61125}" type="datetime1">
               <a:rPr lang="en-US" smtClean="0"/>
-              <a:t>7/1/19</a:t>
+              <a:t>7/31/19</a:t>
             </a:fld>
             <a:endParaRPr lang="en-US"/>
           </a:p>
@@ -16438,7 +16444,7 @@
           <a:p>
             <a:fld id="{F6FA2B21-3FCD-4721-B95C-427943F61125}" type="datetime1">
               <a:rPr lang="en-US" smtClean="0"/>
-              <a:t>7/1/19</a:t>
+              <a:t>7/31/19</a:t>
             </a:fld>
             <a:endParaRPr lang="en-US"/>
           </a:p>
@@ -16619,7 +16625,7 @@
           <a:p>
             <a:fld id="{F6FA2B21-3FCD-4721-B95C-427943F61125}" type="datetime1">
               <a:rPr lang="en-US" smtClean="0"/>
-              <a:t>7/1/19</a:t>
+              <a:t>7/31/19</a:t>
             </a:fld>
             <a:endParaRPr lang="en-US"/>
           </a:p>
@@ -16790,7 +16796,7 @@
           <a:p>
             <a:fld id="{F6FA2B21-3FCD-4721-B95C-427943F61125}" type="datetime1">
               <a:rPr lang="en-US" smtClean="0"/>
-              <a:t>7/1/19</a:t>
+              <a:t>7/31/19</a:t>
             </a:fld>
             <a:endParaRPr lang="en-US"/>
           </a:p>
@@ -17112,7 +17118,7 @@
           <a:p>
             <a:fld id="{F6FA2B21-3FCD-4721-B95C-427943F61125}" type="datetime1">
               <a:rPr lang="en-US" smtClean="0"/>
-              <a:t>7/1/19</a:t>
+              <a:t>7/31/19</a:t>
             </a:fld>
             <a:endParaRPr lang="en-US"/>
           </a:p>
@@ -17573,7 +17579,7 @@
           <a:p>
             <a:fld id="{F6FA2B21-3FCD-4721-B95C-427943F61125}" type="datetime1">
               <a:rPr lang="en-US" smtClean="0"/>
-              <a:t>7/1/19</a:t>
+              <a:t>7/31/19</a:t>
             </a:fld>
             <a:endParaRPr lang="en-US"/>
           </a:p>
@@ -17985,7 +17991,7 @@
           <a:p>
             <a:fld id="{F6FA2B21-3FCD-4721-B95C-427943F61125}" type="datetime1">
               <a:rPr lang="en-US" smtClean="0"/>
-              <a:t>7/1/19</a:t>
+              <a:t>7/31/19</a:t>
             </a:fld>
             <a:endParaRPr lang="en-US"/>
           </a:p>
@@ -18104,7 +18110,7 @@
           <a:p>
             <a:fld id="{F6FA2B21-3FCD-4721-B95C-427943F61125}" type="datetime1">
               <a:rPr lang="en-US" smtClean="0"/>
-              <a:t>7/1/19</a:t>
+              <a:t>7/31/19</a:t>
             </a:fld>
             <a:endParaRPr lang="en-US"/>
           </a:p>
@@ -18223,7 +18229,7 @@
           <a:p>
             <a:fld id="{F6FA2B21-3FCD-4721-B95C-427943F61125}" type="datetime1">
               <a:rPr lang="en-US" smtClean="0"/>
-              <a:t>7/1/19</a:t>
+              <a:t>7/31/19</a:t>
             </a:fld>
             <a:endParaRPr lang="en-US"/>
           </a:p>
@@ -18582,7 +18588,7 @@
           <a:p>
             <a:fld id="{F6FA2B21-3FCD-4721-B95C-427943F61125}" type="datetime1">
               <a:rPr lang="en-US" smtClean="0"/>
-              <a:t>7/1/19</a:t>
+              <a:t>7/31/19</a:t>
             </a:fld>
             <a:endParaRPr lang="en-US"/>
           </a:p>
@@ -19090,7 +19096,7 @@
           <a:p>
             <a:fld id="{F6FA2B21-3FCD-4721-B95C-427943F61125}" type="datetime1">
               <a:rPr lang="en-US" smtClean="0"/>
-              <a:t>7/1/19</a:t>
+              <a:t>7/31/19</a:t>
             </a:fld>
             <a:endParaRPr lang="en-US"/>
           </a:p>
@@ -19446,7 +19452,7 @@
           <a:p>
             <a:fld id="{F6FA2B21-3FCD-4721-B95C-427943F61125}" type="datetime1">
               <a:rPr lang="en-US" smtClean="0"/>
-              <a:t>7/1/19</a:t>
+              <a:t>7/31/19</a:t>
             </a:fld>
             <a:endParaRPr lang="en-US"/>
           </a:p>
@@ -20176,6 +20182,371 @@
 <file path=ppt/slides/slide10.xml><?xml version="1.0" encoding="utf-8"?>
 <p:sld xmlns:a="http://schemas.openxmlformats.org/drawingml/2006/main" xmlns:r="http://schemas.openxmlformats.org/officeDocument/2006/relationships" xmlns:p="http://schemas.openxmlformats.org/presentationml/2006/main">
   <p:cSld>
+    <p:spTree>
+      <p:nvGrpSpPr>
+        <p:cNvPr id="1" name=""/>
+        <p:cNvGrpSpPr/>
+        <p:nvPr/>
+      </p:nvGrpSpPr>
+      <p:grpSpPr>
+        <a:xfrm>
+          <a:off x="0" y="0"/>
+          <a:ext cx="0" cy="0"/>
+          <a:chOff x="0" y="0"/>
+          <a:chExt cx="0" cy="0"/>
+        </a:xfrm>
+      </p:grpSpPr>
+      <p:pic>
+        <p:nvPicPr>
+          <p:cNvPr id="4" name="圖片 3">
+            <a:extLst>
+              <a:ext uri="{FF2B5EF4-FFF2-40B4-BE49-F238E27FC236}">
+                <a16:creationId xmlns:a16="http://schemas.microsoft.com/office/drawing/2014/main" id="{C263D958-BD71-4342-A2BC-DB29B2F02CF2}"/>
+              </a:ext>
+            </a:extLst>
+          </p:cNvPr>
+          <p:cNvPicPr>
+            <a:picLocks noChangeAspect="1"/>
+          </p:cNvPicPr>
+          <p:nvPr/>
+        </p:nvPicPr>
+        <p:blipFill>
+          <a:blip r:embed="rId2"/>
+          <a:stretch>
+            <a:fillRect/>
+          </a:stretch>
+        </p:blipFill>
+        <p:spPr>
+          <a:xfrm>
+            <a:off x="302964" y="0"/>
+            <a:ext cx="4269036" cy="5715000"/>
+          </a:xfrm>
+          <a:prstGeom prst="rect">
+            <a:avLst/>
+          </a:prstGeom>
+          <a:ln>
+            <a:solidFill>
+              <a:schemeClr val="accent1"/>
+            </a:solidFill>
+          </a:ln>
+        </p:spPr>
+      </p:pic>
+    </p:spTree>
+    <p:extLst>
+      <p:ext uri="{BB962C8B-B14F-4D97-AF65-F5344CB8AC3E}">
+        <p14:creationId xmlns:p14="http://schemas.microsoft.com/office/powerpoint/2010/main" val="2823131167"/>
+      </p:ext>
+    </p:extLst>
+  </p:cSld>
+  <p:clrMapOvr>
+    <a:masterClrMapping/>
+  </p:clrMapOvr>
+</p:sld>
+</file>
+
+<file path=ppt/slides/slide11.xml><?xml version="1.0" encoding="utf-8"?>
+<p:sld xmlns:a="http://schemas.openxmlformats.org/drawingml/2006/main" xmlns:r="http://schemas.openxmlformats.org/officeDocument/2006/relationships" xmlns:p="http://schemas.openxmlformats.org/presentationml/2006/main">
+  <p:cSld>
+    <p:bg>
+      <p:bgPr>
+        <a:solidFill>
+          <a:schemeClr val="bg1"/>
+        </a:solidFill>
+        <a:effectLst/>
+      </p:bgPr>
+    </p:bg>
+    <p:spTree>
+      <p:nvGrpSpPr>
+        <p:cNvPr id="1" name=""/>
+        <p:cNvGrpSpPr/>
+        <p:nvPr/>
+      </p:nvGrpSpPr>
+      <p:grpSpPr>
+        <a:xfrm>
+          <a:off x="0" y="0"/>
+          <a:ext cx="0" cy="0"/>
+          <a:chOff x="0" y="0"/>
+          <a:chExt cx="0" cy="0"/>
+        </a:xfrm>
+      </p:grpSpPr>
+      <p:sp>
+        <p:nvSpPr>
+          <p:cNvPr id="2" name="標題 1">
+            <a:extLst>
+              <a:ext uri="{FF2B5EF4-FFF2-40B4-BE49-F238E27FC236}">
+                <a16:creationId xmlns:a16="http://schemas.microsoft.com/office/drawing/2014/main" id="{8C2840B5-9697-D44A-8CEC-C50B447D4D01}"/>
+              </a:ext>
+            </a:extLst>
+          </p:cNvPr>
+          <p:cNvSpPr>
+            <a:spLocks noGrp="1"/>
+          </p:cNvSpPr>
+          <p:nvPr>
+            <p:ph type="title"/>
+          </p:nvPr>
+        </p:nvSpPr>
+        <p:spPr>
+          <a:xfrm>
+            <a:off x="6359833" y="765573"/>
+            <a:ext cx="2284555" cy="3883033"/>
+          </a:xfrm>
+          <a:ln>
+            <a:noFill/>
+          </a:ln>
+        </p:spPr>
+        <p:txBody>
+          <a:bodyPr>
+            <a:normAutofit/>
+          </a:bodyPr>
+          <a:lstStyle/>
+          <a:p>
+            <a:r>
+              <a:rPr lang="zh-TW" altLang="en-US" sz="2400" b="1" dirty="0"/>
+              <a:t>題目</a:t>
+            </a:r>
+            <a:r>
+              <a:rPr lang="en-US" altLang="zh-TW" sz="2400" b="1" dirty="0"/>
+              <a:t>29. </a:t>
+            </a:r>
+            <a:r>
+              <a:rPr lang="zh-TW" altLang="en-US" sz="2400" b="1" dirty="0"/>
+              <a:t>身分證驗證器</a:t>
+            </a:r>
+          </a:p>
+        </p:txBody>
+      </p:sp>
+      <p:graphicFrame>
+        <p:nvGraphicFramePr>
+          <p:cNvPr id="5" name="內容版面配置區 2">
+            <a:extLst>
+              <a:ext uri="{FF2B5EF4-FFF2-40B4-BE49-F238E27FC236}">
+                <a16:creationId xmlns:a16="http://schemas.microsoft.com/office/drawing/2014/main" id="{B79F1320-04D0-4EA3-96DD-9006D69E9172}"/>
+              </a:ext>
+            </a:extLst>
+          </p:cNvPr>
+          <p:cNvGraphicFramePr>
+            <a:graphicFrameLocks noGrp="1"/>
+          </p:cNvGraphicFramePr>
+          <p:nvPr>
+            <p:ph idx="1"/>
+            <p:extLst>
+              <p:ext uri="{D42A27DB-BD31-4B8C-83A1-F6EECF244321}">
+                <p14:modId xmlns:p14="http://schemas.microsoft.com/office/powerpoint/2010/main" val="2478168750"/>
+              </p:ext>
+            </p:extLst>
+          </p:nvPr>
+        </p:nvGraphicFramePr>
+        <p:xfrm>
+          <a:off x="466725" y="765572"/>
+          <a:ext cx="4929188" cy="4191000"/>
+        </p:xfrm>
+        <a:graphic>
+          <a:graphicData uri="http://schemas.openxmlformats.org/drawingml/2006/diagram">
+            <dgm:relIds xmlns:dgm="http://schemas.openxmlformats.org/drawingml/2006/diagram" xmlns:r="http://schemas.openxmlformats.org/officeDocument/2006/relationships" r:dm="rId2" r:lo="rId3" r:qs="rId4" r:cs="rId5"/>
+          </a:graphicData>
+        </a:graphic>
+      </p:graphicFrame>
+    </p:spTree>
+    <p:extLst>
+      <p:ext uri="{BB962C8B-B14F-4D97-AF65-F5344CB8AC3E}">
+        <p14:creationId xmlns:p14="http://schemas.microsoft.com/office/powerpoint/2010/main" val="2402312671"/>
+      </p:ext>
+    </p:extLst>
+  </p:cSld>
+  <p:clrMapOvr>
+    <a:masterClrMapping/>
+  </p:clrMapOvr>
+</p:sld>
+</file>
+
+<file path=ppt/slides/slide12.xml><?xml version="1.0" encoding="utf-8"?>
+<p:sld xmlns:a="http://schemas.openxmlformats.org/drawingml/2006/main" xmlns:r="http://schemas.openxmlformats.org/officeDocument/2006/relationships" xmlns:p="http://schemas.openxmlformats.org/presentationml/2006/main">
+  <p:cSld>
+    <p:spTree>
+      <p:nvGrpSpPr>
+        <p:cNvPr id="1" name=""/>
+        <p:cNvGrpSpPr/>
+        <p:nvPr/>
+      </p:nvGrpSpPr>
+      <p:grpSpPr>
+        <a:xfrm>
+          <a:off x="0" y="0"/>
+          <a:ext cx="0" cy="0"/>
+          <a:chOff x="0" y="0"/>
+          <a:chExt cx="0" cy="0"/>
+        </a:xfrm>
+      </p:grpSpPr>
+      <p:pic>
+        <p:nvPicPr>
+          <p:cNvPr id="4" name="圖片 3">
+            <a:extLst>
+              <a:ext uri="{FF2B5EF4-FFF2-40B4-BE49-F238E27FC236}">
+                <a16:creationId xmlns:a16="http://schemas.microsoft.com/office/drawing/2014/main" id="{C80FA449-586E-2C46-940D-FC5F35B66D9A}"/>
+              </a:ext>
+            </a:extLst>
+          </p:cNvPr>
+          <p:cNvPicPr>
+            <a:picLocks noChangeAspect="1"/>
+          </p:cNvPicPr>
+          <p:nvPr/>
+        </p:nvPicPr>
+        <p:blipFill>
+          <a:blip r:embed="rId2"/>
+          <a:stretch>
+            <a:fillRect/>
+          </a:stretch>
+        </p:blipFill>
+        <p:spPr>
+          <a:xfrm>
+            <a:off x="0" y="333206"/>
+            <a:ext cx="9144000" cy="5048587"/>
+          </a:xfrm>
+          <a:prstGeom prst="rect">
+            <a:avLst/>
+          </a:prstGeom>
+        </p:spPr>
+      </p:pic>
+    </p:spTree>
+    <p:extLst>
+      <p:ext uri="{BB962C8B-B14F-4D97-AF65-F5344CB8AC3E}">
+        <p14:creationId xmlns:p14="http://schemas.microsoft.com/office/powerpoint/2010/main" val="2378595522"/>
+      </p:ext>
+    </p:extLst>
+  </p:cSld>
+  <p:clrMapOvr>
+    <a:masterClrMapping/>
+  </p:clrMapOvr>
+</p:sld>
+</file>
+
+<file path=ppt/slides/slide13.xml><?xml version="1.0" encoding="utf-8"?>
+<p:sld xmlns:a="http://schemas.openxmlformats.org/drawingml/2006/main" xmlns:r="http://schemas.openxmlformats.org/officeDocument/2006/relationships" xmlns:p="http://schemas.openxmlformats.org/presentationml/2006/main">
+  <p:cSld>
+    <p:spTree>
+      <p:nvGrpSpPr>
+        <p:cNvPr id="1" name=""/>
+        <p:cNvGrpSpPr/>
+        <p:nvPr/>
+      </p:nvGrpSpPr>
+      <p:grpSpPr>
+        <a:xfrm>
+          <a:off x="0" y="0"/>
+          <a:ext cx="0" cy="0"/>
+          <a:chOff x="0" y="0"/>
+          <a:chExt cx="0" cy="0"/>
+        </a:xfrm>
+      </p:grpSpPr>
+      <p:pic>
+        <p:nvPicPr>
+          <p:cNvPr id="2" name="圖片 1">
+            <a:extLst>
+              <a:ext uri="{FF2B5EF4-FFF2-40B4-BE49-F238E27FC236}">
+                <a16:creationId xmlns:a16="http://schemas.microsoft.com/office/drawing/2014/main" id="{BD78CCA5-E967-9349-8117-89B2F91A7ACE}"/>
+              </a:ext>
+            </a:extLst>
+          </p:cNvPr>
+          <p:cNvPicPr>
+            <a:picLocks noChangeAspect="1"/>
+          </p:cNvPicPr>
+          <p:nvPr/>
+        </p:nvPicPr>
+        <p:blipFill>
+          <a:blip r:embed="rId2"/>
+          <a:stretch>
+            <a:fillRect/>
+          </a:stretch>
+        </p:blipFill>
+        <p:spPr>
+          <a:xfrm>
+            <a:off x="0" y="379381"/>
+            <a:ext cx="9144000" cy="4956238"/>
+          </a:xfrm>
+          <a:prstGeom prst="rect">
+            <a:avLst/>
+          </a:prstGeom>
+        </p:spPr>
+      </p:pic>
+    </p:spTree>
+    <p:extLst>
+      <p:ext uri="{BB962C8B-B14F-4D97-AF65-F5344CB8AC3E}">
+        <p14:creationId xmlns:p14="http://schemas.microsoft.com/office/powerpoint/2010/main" val="2888210774"/>
+      </p:ext>
+    </p:extLst>
+  </p:cSld>
+  <p:clrMapOvr>
+    <a:masterClrMapping/>
+  </p:clrMapOvr>
+</p:sld>
+</file>
+
+<file path=ppt/slides/slide14.xml><?xml version="1.0" encoding="utf-8"?>
+<p:sld xmlns:a="http://schemas.openxmlformats.org/drawingml/2006/main" xmlns:r="http://schemas.openxmlformats.org/officeDocument/2006/relationships" xmlns:p="http://schemas.openxmlformats.org/presentationml/2006/main">
+  <p:cSld>
+    <p:spTree>
+      <p:nvGrpSpPr>
+        <p:cNvPr id="1" name=""/>
+        <p:cNvGrpSpPr/>
+        <p:nvPr/>
+      </p:nvGrpSpPr>
+      <p:grpSpPr>
+        <a:xfrm>
+          <a:off x="0" y="0"/>
+          <a:ext cx="0" cy="0"/>
+          <a:chOff x="0" y="0"/>
+          <a:chExt cx="0" cy="0"/>
+        </a:xfrm>
+      </p:grpSpPr>
+      <p:pic>
+        <p:nvPicPr>
+          <p:cNvPr id="5" name="圖片 4">
+            <a:extLst>
+              <a:ext uri="{FF2B5EF4-FFF2-40B4-BE49-F238E27FC236}">
+                <a16:creationId xmlns:a16="http://schemas.microsoft.com/office/drawing/2014/main" id="{AA9087E8-D313-1A49-AF6A-1A9A9885A3DE}"/>
+              </a:ext>
+            </a:extLst>
+          </p:cNvPr>
+          <p:cNvPicPr>
+            <a:picLocks noChangeAspect="1"/>
+          </p:cNvPicPr>
+          <p:nvPr/>
+        </p:nvPicPr>
+        <p:blipFill>
+          <a:blip r:embed="rId2"/>
+          <a:stretch>
+            <a:fillRect/>
+          </a:stretch>
+        </p:blipFill>
+        <p:spPr>
+          <a:xfrm>
+            <a:off x="401088" y="0"/>
+            <a:ext cx="6495932" cy="5715000"/>
+          </a:xfrm>
+          <a:prstGeom prst="rect">
+            <a:avLst/>
+          </a:prstGeom>
+          <a:ln>
+            <a:solidFill>
+              <a:schemeClr val="accent1"/>
+            </a:solidFill>
+          </a:ln>
+        </p:spPr>
+      </p:pic>
+    </p:spTree>
+    <p:extLst>
+      <p:ext uri="{BB962C8B-B14F-4D97-AF65-F5344CB8AC3E}">
+        <p14:creationId xmlns:p14="http://schemas.microsoft.com/office/powerpoint/2010/main" val="3355254503"/>
+      </p:ext>
+    </p:extLst>
+  </p:cSld>
+  <p:clrMapOvr>
+    <a:masterClrMapping/>
+  </p:clrMapOvr>
+</p:sld>
+</file>
+
+<file path=ppt/slides/slide15.xml><?xml version="1.0" encoding="utf-8"?>
+<p:sld xmlns:a="http://schemas.openxmlformats.org/drawingml/2006/main" xmlns:r="http://schemas.openxmlformats.org/officeDocument/2006/relationships" xmlns:p="http://schemas.openxmlformats.org/presentationml/2006/main">
+  <p:cSld>
     <p:bg>
       <p:bgPr>
         <a:solidFill>
@@ -20292,7 +20663,97 @@
 </p:sld>
 </file>
 
-<file path=ppt/slides/slide11.xml><?xml version="1.0" encoding="utf-8"?>
+<file path=ppt/slides/slide16.xml><?xml version="1.0" encoding="utf-8"?>
+<p:sld xmlns:a="http://schemas.openxmlformats.org/drawingml/2006/main" xmlns:r="http://schemas.openxmlformats.org/officeDocument/2006/relationships" xmlns:p="http://schemas.openxmlformats.org/presentationml/2006/main">
+  <p:cSld>
+    <p:spTree>
+      <p:nvGrpSpPr>
+        <p:cNvPr id="1" name=""/>
+        <p:cNvGrpSpPr/>
+        <p:nvPr/>
+      </p:nvGrpSpPr>
+      <p:grpSpPr>
+        <a:xfrm>
+          <a:off x="0" y="0"/>
+          <a:ext cx="0" cy="0"/>
+          <a:chOff x="0" y="0"/>
+          <a:chExt cx="0" cy="0"/>
+        </a:xfrm>
+      </p:grpSpPr>
+      <p:pic>
+        <p:nvPicPr>
+          <p:cNvPr id="4" name="圖片 3">
+            <a:extLst>
+              <a:ext uri="{FF2B5EF4-FFF2-40B4-BE49-F238E27FC236}">
+                <a16:creationId xmlns:a16="http://schemas.microsoft.com/office/drawing/2014/main" id="{EB083EF5-99CB-7544-88C1-8566707D7592}"/>
+              </a:ext>
+            </a:extLst>
+          </p:cNvPr>
+          <p:cNvPicPr>
+            <a:picLocks noChangeAspect="1"/>
+          </p:cNvPicPr>
+          <p:nvPr/>
+        </p:nvPicPr>
+        <p:blipFill>
+          <a:blip r:embed="rId2"/>
+          <a:stretch>
+            <a:fillRect/>
+          </a:stretch>
+        </p:blipFill>
+        <p:spPr>
+          <a:xfrm>
+            <a:off x="0" y="172297"/>
+            <a:ext cx="9144000" cy="5370405"/>
+          </a:xfrm>
+          <a:prstGeom prst="rect">
+            <a:avLst/>
+          </a:prstGeom>
+        </p:spPr>
+      </p:pic>
+      <p:pic>
+        <p:nvPicPr>
+          <p:cNvPr id="5" name="圖片 4">
+            <a:extLst>
+              <a:ext uri="{FF2B5EF4-FFF2-40B4-BE49-F238E27FC236}">
+                <a16:creationId xmlns:a16="http://schemas.microsoft.com/office/drawing/2014/main" id="{7E0CB47D-48D7-8D4C-9A38-69140C1D831F}"/>
+              </a:ext>
+            </a:extLst>
+          </p:cNvPr>
+          <p:cNvPicPr>
+            <a:picLocks noChangeAspect="1"/>
+          </p:cNvPicPr>
+          <p:nvPr/>
+        </p:nvPicPr>
+        <p:blipFill>
+          <a:blip r:embed="rId3"/>
+          <a:stretch>
+            <a:fillRect/>
+          </a:stretch>
+        </p:blipFill>
+        <p:spPr>
+          <a:xfrm>
+            <a:off x="4130844" y="2674834"/>
+            <a:ext cx="4505156" cy="1865416"/>
+          </a:xfrm>
+          <a:prstGeom prst="rect">
+            <a:avLst/>
+          </a:prstGeom>
+        </p:spPr>
+      </p:pic>
+    </p:spTree>
+    <p:extLst>
+      <p:ext uri="{BB962C8B-B14F-4D97-AF65-F5344CB8AC3E}">
+        <p14:creationId xmlns:p14="http://schemas.microsoft.com/office/powerpoint/2010/main" val="1852051479"/>
+      </p:ext>
+    </p:extLst>
+  </p:cSld>
+  <p:clrMapOvr>
+    <a:masterClrMapping/>
+  </p:clrMapOvr>
+</p:sld>
+</file>
+
+<file path=ppt/slides/slide17.xml><?xml version="1.0" encoding="utf-8"?>
 <p:sld xmlns:a="http://schemas.openxmlformats.org/drawingml/2006/main" xmlns:r="http://schemas.openxmlformats.org/officeDocument/2006/relationships" xmlns:p="http://schemas.openxmlformats.org/presentationml/2006/main">
   <p:cSld>
     <p:spTree>
@@ -20501,6 +20962,66 @@
       </p:grpSpPr>
       <p:pic>
         <p:nvPicPr>
+          <p:cNvPr id="4" name="圖片 3">
+            <a:extLst>
+              <a:ext uri="{FF2B5EF4-FFF2-40B4-BE49-F238E27FC236}">
+                <a16:creationId xmlns:a16="http://schemas.microsoft.com/office/drawing/2014/main" id="{DF0F0895-F34B-184F-AD28-EEBBD12607D7}"/>
+              </a:ext>
+            </a:extLst>
+          </p:cNvPr>
+          <p:cNvPicPr>
+            <a:picLocks noChangeAspect="1"/>
+          </p:cNvPicPr>
+          <p:nvPr/>
+        </p:nvPicPr>
+        <p:blipFill>
+          <a:blip r:embed="rId2"/>
+          <a:stretch>
+            <a:fillRect/>
+          </a:stretch>
+        </p:blipFill>
+        <p:spPr>
+          <a:xfrm>
+            <a:off x="0" y="268669"/>
+            <a:ext cx="9144000" cy="5177661"/>
+          </a:xfrm>
+          <a:prstGeom prst="rect">
+            <a:avLst/>
+          </a:prstGeom>
+        </p:spPr>
+      </p:pic>
+    </p:spTree>
+    <p:extLst>
+      <p:ext uri="{BB962C8B-B14F-4D97-AF65-F5344CB8AC3E}">
+        <p14:creationId xmlns:p14="http://schemas.microsoft.com/office/powerpoint/2010/main" val="2065612150"/>
+      </p:ext>
+    </p:extLst>
+  </p:cSld>
+  <p:clrMapOvr>
+    <a:masterClrMapping/>
+  </p:clrMapOvr>
+</p:sld>
+</file>
+
+<file path=ppt/slides/slide4.xml><?xml version="1.0" encoding="utf-8"?>
+<p:sld xmlns:a="http://schemas.openxmlformats.org/drawingml/2006/main" xmlns:r="http://schemas.openxmlformats.org/officeDocument/2006/relationships" xmlns:p="http://schemas.openxmlformats.org/presentationml/2006/main">
+  <p:cSld>
+    <p:spTree>
+      <p:nvGrpSpPr>
+        <p:cNvPr id="1" name=""/>
+        <p:cNvGrpSpPr/>
+        <p:nvPr/>
+      </p:nvGrpSpPr>
+      <p:grpSpPr>
+        <a:xfrm>
+          <a:off x="0" y="0"/>
+          <a:ext cx="0" cy="0"/>
+          <a:chOff x="0" y="0"/>
+          <a:chExt cx="0" cy="0"/>
+        </a:xfrm>
+      </p:grpSpPr>
+      <p:pic>
+        <p:nvPicPr>
           <p:cNvPr id="9" name="圖片 8">
             <a:extLst>
               <a:ext uri="{FF2B5EF4-FFF2-40B4-BE49-F238E27FC236}">
@@ -20542,7 +21063,7 @@
 </p:sld>
 </file>
 
-<file path=ppt/slides/slide4.xml><?xml version="1.0" encoding="utf-8"?>
+<file path=ppt/slides/slide5.xml><?xml version="1.0" encoding="utf-8"?>
 <p:sld xmlns:a="http://schemas.openxmlformats.org/drawingml/2006/main" xmlns:r="http://schemas.openxmlformats.org/officeDocument/2006/relationships" xmlns:p="http://schemas.openxmlformats.org/presentationml/2006/main">
   <p:cSld>
     <p:bg>
@@ -20670,7 +21191,310 @@
 </p:sld>
 </file>
 
-<file path=ppt/slides/slide5.xml><?xml version="1.0" encoding="utf-8"?>
+<file path=ppt/slides/slide6.xml><?xml version="1.0" encoding="utf-8"?>
+<p:sld xmlns:a="http://schemas.openxmlformats.org/drawingml/2006/main" xmlns:r="http://schemas.openxmlformats.org/officeDocument/2006/relationships" xmlns:p="http://schemas.openxmlformats.org/presentationml/2006/main">
+  <p:cSld>
+    <p:spTree>
+      <p:nvGrpSpPr>
+        <p:cNvPr id="1" name=""/>
+        <p:cNvGrpSpPr/>
+        <p:nvPr/>
+      </p:nvGrpSpPr>
+      <p:grpSpPr>
+        <a:xfrm>
+          <a:off x="0" y="0"/>
+          <a:ext cx="0" cy="0"/>
+          <a:chOff x="0" y="0"/>
+          <a:chExt cx="0" cy="0"/>
+        </a:xfrm>
+      </p:grpSpPr>
+      <p:pic>
+        <p:nvPicPr>
+          <p:cNvPr id="4" name="圖片 3">
+            <a:extLst>
+              <a:ext uri="{FF2B5EF4-FFF2-40B4-BE49-F238E27FC236}">
+                <a16:creationId xmlns:a16="http://schemas.microsoft.com/office/drawing/2014/main" id="{900C8B91-DE31-2F44-B18B-4D9B9DF4FC2A}"/>
+              </a:ext>
+            </a:extLst>
+          </p:cNvPr>
+          <p:cNvPicPr>
+            <a:picLocks noChangeAspect="1"/>
+          </p:cNvPicPr>
+          <p:nvPr/>
+        </p:nvPicPr>
+        <p:blipFill>
+          <a:blip r:embed="rId2"/>
+          <a:stretch>
+            <a:fillRect/>
+          </a:stretch>
+        </p:blipFill>
+        <p:spPr>
+          <a:xfrm>
+            <a:off x="0" y="-56616"/>
+            <a:ext cx="9144000" cy="1565189"/>
+          </a:xfrm>
+          <a:prstGeom prst="rect">
+            <a:avLst/>
+          </a:prstGeom>
+        </p:spPr>
+      </p:pic>
+      <p:sp>
+        <p:nvSpPr>
+          <p:cNvPr id="5" name="文字方塊 4">
+            <a:extLst>
+              <a:ext uri="{FF2B5EF4-FFF2-40B4-BE49-F238E27FC236}">
+                <a16:creationId xmlns:a16="http://schemas.microsoft.com/office/drawing/2014/main" id="{C806376A-87D2-E342-8AF7-05305DB0DCF5}"/>
+              </a:ext>
+            </a:extLst>
+          </p:cNvPr>
+          <p:cNvSpPr txBox="1"/>
+          <p:nvPr/>
+        </p:nvSpPr>
+        <p:spPr>
+          <a:xfrm>
+            <a:off x="384561" y="1609183"/>
+            <a:ext cx="1951175" cy="1815882"/>
+          </a:xfrm>
+          <a:prstGeom prst="rect">
+            <a:avLst/>
+          </a:prstGeom>
+          <a:noFill/>
+        </p:spPr>
+        <p:txBody>
+          <a:bodyPr wrap="none" rtlCol="0">
+            <a:spAutoFit/>
+          </a:bodyPr>
+          <a:lstStyle/>
+          <a:p>
+            <a:r>
+              <a:rPr lang="zh-TW" altLang="en-US" sz="1600" dirty="0">
+                <a:latin typeface="Menlo" panose="020B0609030804020204" pitchFamily="49" charset="0"/>
+                <a:cs typeface="Menlo" panose="020B0609030804020204" pitchFamily="49" charset="0"/>
+              </a:rPr>
+              <a:t>假設答案為 </a:t>
+            </a:r>
+            <a:r>
+              <a:rPr lang="en-US" altLang="zh-TW" sz="1600" dirty="0">
+                <a:latin typeface="Menlo" panose="020B0609030804020204" pitchFamily="49" charset="0"/>
+                <a:ea typeface="Menlo" panose="020B0609030804020204" pitchFamily="49" charset="0"/>
+                <a:cs typeface="Menlo" panose="020B0609030804020204" pitchFamily="49" charset="0"/>
+              </a:rPr>
+              <a:t>:1234</a:t>
+            </a:r>
+          </a:p>
+          <a:p>
+            <a:r>
+              <a:rPr lang="zh-TW" altLang="en-US" sz="1600" dirty="0">
+                <a:latin typeface="Menlo" panose="020B0609030804020204" pitchFamily="49" charset="0"/>
+                <a:cs typeface="Menlo" panose="020B0609030804020204" pitchFamily="49" charset="0"/>
+              </a:rPr>
+              <a:t>若輸入 </a:t>
+            </a:r>
+            <a:r>
+              <a:rPr lang="en-US" altLang="zh-TW" sz="1600" dirty="0">
+                <a:latin typeface="Menlo" panose="020B0609030804020204" pitchFamily="49" charset="0"/>
+                <a:ea typeface="Menlo" panose="020B0609030804020204" pitchFamily="49" charset="0"/>
+                <a:cs typeface="Menlo" panose="020B0609030804020204" pitchFamily="49" charset="0"/>
+              </a:rPr>
+              <a:t>:</a:t>
+            </a:r>
+          </a:p>
+          <a:p>
+            <a:r>
+              <a:rPr lang="en-US" altLang="zh-TW" sz="1600" dirty="0">
+                <a:latin typeface="Menlo" panose="020B0609030804020204" pitchFamily="49" charset="0"/>
+                <a:ea typeface="Menlo" panose="020B0609030804020204" pitchFamily="49" charset="0"/>
+                <a:cs typeface="Menlo" panose="020B0609030804020204" pitchFamily="49" charset="0"/>
+              </a:rPr>
+              <a:t>5621</a:t>
+            </a:r>
+          </a:p>
+          <a:p>
+            <a:r>
+              <a:rPr lang="en-US" altLang="zh-TW" sz="1600" dirty="0">
+                <a:latin typeface="Menlo" panose="020B0609030804020204" pitchFamily="49" charset="0"/>
+                <a:ea typeface="Menlo" panose="020B0609030804020204" pitchFamily="49" charset="0"/>
+                <a:cs typeface="Menlo" panose="020B0609030804020204" pitchFamily="49" charset="0"/>
+              </a:rPr>
+              <a:t>4321</a:t>
+            </a:r>
+          </a:p>
+          <a:p>
+            <a:r>
+              <a:rPr lang="en-US" altLang="zh-TW" sz="1600" dirty="0">
+                <a:latin typeface="Menlo" panose="020B0609030804020204" pitchFamily="49" charset="0"/>
+                <a:ea typeface="Menlo" panose="020B0609030804020204" pitchFamily="49" charset="0"/>
+                <a:cs typeface="Menlo" panose="020B0609030804020204" pitchFamily="49" charset="0"/>
+              </a:rPr>
+              <a:t>1324</a:t>
+            </a:r>
+          </a:p>
+          <a:p>
+            <a:r>
+              <a:rPr lang="en-US" altLang="zh-TW" sz="1600" dirty="0">
+                <a:latin typeface="Menlo" panose="020B0609030804020204" pitchFamily="49" charset="0"/>
+                <a:ea typeface="Menlo" panose="020B0609030804020204" pitchFamily="49" charset="0"/>
+                <a:cs typeface="Menlo" panose="020B0609030804020204" pitchFamily="49" charset="0"/>
+              </a:rPr>
+              <a:t>1234</a:t>
+            </a:r>
+          </a:p>
+          <a:p>
+            <a:r>
+              <a:rPr lang="en-US" altLang="zh-TW" sz="1600" dirty="0">
+                <a:latin typeface="Menlo" panose="020B0609030804020204" pitchFamily="49" charset="0"/>
+                <a:ea typeface="Menlo" panose="020B0609030804020204" pitchFamily="49" charset="0"/>
+                <a:cs typeface="Menlo" panose="020B0609030804020204" pitchFamily="49" charset="0"/>
+              </a:rPr>
+              <a:t>0000</a:t>
+            </a:r>
+          </a:p>
+        </p:txBody>
+      </p:sp>
+      <p:sp>
+        <p:nvSpPr>
+          <p:cNvPr id="6" name="文字方塊 5">
+            <a:extLst>
+              <a:ext uri="{FF2B5EF4-FFF2-40B4-BE49-F238E27FC236}">
+                <a16:creationId xmlns:a16="http://schemas.microsoft.com/office/drawing/2014/main" id="{5FF990A8-E09E-F64A-B2CC-49DC7849F8D8}"/>
+              </a:ext>
+            </a:extLst>
+          </p:cNvPr>
+          <p:cNvSpPr txBox="1"/>
+          <p:nvPr/>
+        </p:nvSpPr>
+        <p:spPr>
+          <a:xfrm>
+            <a:off x="2572284" y="1855405"/>
+            <a:ext cx="1252266" cy="1569660"/>
+          </a:xfrm>
+          <a:prstGeom prst="rect">
+            <a:avLst/>
+          </a:prstGeom>
+          <a:noFill/>
+        </p:spPr>
+        <p:txBody>
+          <a:bodyPr wrap="none" rtlCol="0">
+            <a:spAutoFit/>
+          </a:bodyPr>
+          <a:lstStyle/>
+          <a:p>
+            <a:r>
+              <a:rPr lang="zh-TW" altLang="en-US" sz="1600" dirty="0">
+                <a:latin typeface="Menlo" panose="020B0609030804020204" pitchFamily="49" charset="0"/>
+                <a:cs typeface="Menlo" panose="020B0609030804020204" pitchFamily="49" charset="0"/>
+              </a:rPr>
+              <a:t>則會輸出 </a:t>
+            </a:r>
+            <a:r>
+              <a:rPr lang="en-US" altLang="zh-TW" sz="1600" dirty="0">
+                <a:latin typeface="Menlo" panose="020B0609030804020204" pitchFamily="49" charset="0"/>
+                <a:ea typeface="Menlo" panose="020B0609030804020204" pitchFamily="49" charset="0"/>
+                <a:cs typeface="Menlo" panose="020B0609030804020204" pitchFamily="49" charset="0"/>
+              </a:rPr>
+              <a:t>:</a:t>
+            </a:r>
+          </a:p>
+          <a:p>
+            <a:r>
+              <a:rPr lang="en-US" altLang="zh-TW" sz="1600" dirty="0">
+                <a:latin typeface="Menlo" panose="020B0609030804020204" pitchFamily="49" charset="0"/>
+                <a:ea typeface="Menlo" panose="020B0609030804020204" pitchFamily="49" charset="0"/>
+                <a:cs typeface="Menlo" panose="020B0609030804020204" pitchFamily="49" charset="0"/>
+              </a:rPr>
+              <a:t>0</a:t>
+            </a:r>
+            <a:r>
+              <a:rPr lang="en" altLang="zh-TW" sz="1600" dirty="0">
+                <a:latin typeface="Menlo" panose="020B0609030804020204" pitchFamily="49" charset="0"/>
+                <a:ea typeface="Menlo" panose="020B0609030804020204" pitchFamily="49" charset="0"/>
+                <a:cs typeface="Menlo" panose="020B0609030804020204" pitchFamily="49" charset="0"/>
+              </a:rPr>
+              <a:t>A2B</a:t>
+            </a:r>
+          </a:p>
+          <a:p>
+            <a:r>
+              <a:rPr lang="en" altLang="zh-TW" sz="1600" dirty="0">
+                <a:latin typeface="Menlo" panose="020B0609030804020204" pitchFamily="49" charset="0"/>
+                <a:ea typeface="Menlo" panose="020B0609030804020204" pitchFamily="49" charset="0"/>
+                <a:cs typeface="Menlo" panose="020B0609030804020204" pitchFamily="49" charset="0"/>
+              </a:rPr>
+              <a:t>0A4B</a:t>
+            </a:r>
+          </a:p>
+          <a:p>
+            <a:r>
+              <a:rPr lang="en" altLang="zh-TW" sz="1600" dirty="0">
+                <a:latin typeface="Menlo" panose="020B0609030804020204" pitchFamily="49" charset="0"/>
+                <a:ea typeface="Menlo" panose="020B0609030804020204" pitchFamily="49" charset="0"/>
+                <a:cs typeface="Menlo" panose="020B0609030804020204" pitchFamily="49" charset="0"/>
+              </a:rPr>
+              <a:t>2A2B</a:t>
+            </a:r>
+          </a:p>
+          <a:p>
+            <a:r>
+              <a:rPr lang="en" altLang="zh-TW" sz="1600" dirty="0">
+                <a:latin typeface="Menlo" panose="020B0609030804020204" pitchFamily="49" charset="0"/>
+                <a:ea typeface="Menlo" panose="020B0609030804020204" pitchFamily="49" charset="0"/>
+                <a:cs typeface="Menlo" panose="020B0609030804020204" pitchFamily="49" charset="0"/>
+              </a:rPr>
+              <a:t>4A0B</a:t>
+            </a:r>
+          </a:p>
+          <a:p>
+            <a:endParaRPr kumimoji="1" lang="zh-TW" altLang="en-US" sz="1600" dirty="0">
+              <a:latin typeface="Menlo" panose="020B0609030804020204" pitchFamily="49" charset="0"/>
+              <a:cs typeface="Menlo" panose="020B0609030804020204" pitchFamily="49" charset="0"/>
+            </a:endParaRPr>
+          </a:p>
+        </p:txBody>
+      </p:sp>
+      <p:pic>
+        <p:nvPicPr>
+          <p:cNvPr id="7" name="圖片 6">
+            <a:extLst>
+              <a:ext uri="{FF2B5EF4-FFF2-40B4-BE49-F238E27FC236}">
+                <a16:creationId xmlns:a16="http://schemas.microsoft.com/office/drawing/2014/main" id="{73E31B88-33B2-D14B-B586-34ADE2AABC30}"/>
+              </a:ext>
+            </a:extLst>
+          </p:cNvPr>
+          <p:cNvPicPr>
+            <a:picLocks noChangeAspect="1"/>
+          </p:cNvPicPr>
+          <p:nvPr/>
+        </p:nvPicPr>
+        <p:blipFill>
+          <a:blip r:embed="rId3"/>
+          <a:stretch>
+            <a:fillRect/>
+          </a:stretch>
+        </p:blipFill>
+        <p:spPr>
+          <a:xfrm>
+            <a:off x="384561" y="3425065"/>
+            <a:ext cx="5374282" cy="2189522"/>
+          </a:xfrm>
+          <a:prstGeom prst="rect">
+            <a:avLst/>
+          </a:prstGeom>
+        </p:spPr>
+      </p:pic>
+    </p:spTree>
+    <p:extLst>
+      <p:ext uri="{BB962C8B-B14F-4D97-AF65-F5344CB8AC3E}">
+        <p14:creationId xmlns:p14="http://schemas.microsoft.com/office/powerpoint/2010/main" val="166734283"/>
+      </p:ext>
+    </p:extLst>
+  </p:cSld>
+  <p:clrMapOvr>
+    <a:masterClrMapping/>
+  </p:clrMapOvr>
+</p:sld>
+</file>
+
+<file path=ppt/slides/slide7.xml><?xml version="1.0" encoding="utf-8"?>
 <p:sld xmlns:a="http://schemas.openxmlformats.org/drawingml/2006/main" xmlns:r="http://schemas.openxmlformats.org/officeDocument/2006/relationships" xmlns:p="http://schemas.openxmlformats.org/presentationml/2006/main">
   <p:cSld>
     <p:spTree>
@@ -20735,7 +21559,7 @@
 </p:sld>
 </file>
 
-<file path=ppt/slides/slide6.xml><?xml version="1.0" encoding="utf-8"?>
+<file path=ppt/slides/slide8.xml><?xml version="1.0" encoding="utf-8"?>
 <p:sld xmlns:a="http://schemas.openxmlformats.org/drawingml/2006/main" xmlns:r="http://schemas.openxmlformats.org/officeDocument/2006/relationships" xmlns:p="http://schemas.openxmlformats.org/presentationml/2006/main">
   <p:cSld>
     <p:bg>
@@ -20850,7 +21674,7 @@
 </p:sld>
 </file>
 
-<file path=ppt/slides/slide7.xml><?xml version="1.0" encoding="utf-8"?>
+<file path=ppt/slides/slide9.xml><?xml version="1.0" encoding="utf-8"?>
 <p:sld xmlns:a="http://schemas.openxmlformats.org/drawingml/2006/main" xmlns:r="http://schemas.openxmlformats.org/officeDocument/2006/relationships" xmlns:p="http://schemas.openxmlformats.org/presentationml/2006/main">
   <p:cSld>
     <p:spTree>
@@ -20872,7 +21696,7 @@
           <p:cNvPr id="4" name="圖片 3">
             <a:extLst>
               <a:ext uri="{FF2B5EF4-FFF2-40B4-BE49-F238E27FC236}">
-                <a16:creationId xmlns:a16="http://schemas.microsoft.com/office/drawing/2014/main" id="{C263D958-BD71-4342-A2BC-DB29B2F02CF2}"/>
+                <a16:creationId xmlns:a16="http://schemas.microsoft.com/office/drawing/2014/main" id="{360A4469-891F-A44A-A19B-9DC7ED71535E}"/>
               </a:ext>
             </a:extLst>
           </p:cNvPr>
@@ -20889,170 +21713,20 @@
         </p:blipFill>
         <p:spPr>
           <a:xfrm>
-            <a:off x="302964" y="0"/>
-            <a:ext cx="4269036" cy="5715000"/>
+            <a:off x="0" y="0"/>
+            <a:ext cx="9144000" cy="3506180"/>
           </a:xfrm>
           <a:prstGeom prst="rect">
             <a:avLst/>
           </a:prstGeom>
-          <a:ln>
-            <a:solidFill>
-              <a:schemeClr val="accent1"/>
-            </a:solidFill>
-          </a:ln>
         </p:spPr>
       </p:pic>
-    </p:spTree>
-    <p:extLst>
-      <p:ext uri="{BB962C8B-B14F-4D97-AF65-F5344CB8AC3E}">
-        <p14:creationId xmlns:p14="http://schemas.microsoft.com/office/powerpoint/2010/main" val="2823131167"/>
-      </p:ext>
-    </p:extLst>
-  </p:cSld>
-  <p:clrMapOvr>
-    <a:masterClrMapping/>
-  </p:clrMapOvr>
-</p:sld>
-</file>
-
-<file path=ppt/slides/slide8.xml><?xml version="1.0" encoding="utf-8"?>
-<p:sld xmlns:a="http://schemas.openxmlformats.org/drawingml/2006/main" xmlns:r="http://schemas.openxmlformats.org/officeDocument/2006/relationships" xmlns:p="http://schemas.openxmlformats.org/presentationml/2006/main">
-  <p:cSld>
-    <p:bg>
-      <p:bgPr>
-        <a:solidFill>
-          <a:schemeClr val="bg1"/>
-        </a:solidFill>
-        <a:effectLst/>
-      </p:bgPr>
-    </p:bg>
-    <p:spTree>
-      <p:nvGrpSpPr>
-        <p:cNvPr id="1" name=""/>
-        <p:cNvGrpSpPr/>
-        <p:nvPr/>
-      </p:nvGrpSpPr>
-      <p:grpSpPr>
-        <a:xfrm>
-          <a:off x="0" y="0"/>
-          <a:ext cx="0" cy="0"/>
-          <a:chOff x="0" y="0"/>
-          <a:chExt cx="0" cy="0"/>
-        </a:xfrm>
-      </p:grpSpPr>
-      <p:sp>
-        <p:nvSpPr>
-          <p:cNvPr id="2" name="標題 1">
-            <a:extLst>
-              <a:ext uri="{FF2B5EF4-FFF2-40B4-BE49-F238E27FC236}">
-                <a16:creationId xmlns:a16="http://schemas.microsoft.com/office/drawing/2014/main" id="{8C2840B5-9697-D44A-8CEC-C50B447D4D01}"/>
-              </a:ext>
-            </a:extLst>
-          </p:cNvPr>
-          <p:cNvSpPr>
-            <a:spLocks noGrp="1"/>
-          </p:cNvSpPr>
-          <p:nvPr>
-            <p:ph type="title"/>
-          </p:nvPr>
-        </p:nvSpPr>
-        <p:spPr>
-          <a:xfrm>
-            <a:off x="6359833" y="765573"/>
-            <a:ext cx="2284555" cy="3883033"/>
-          </a:xfrm>
-          <a:ln>
-            <a:noFill/>
-          </a:ln>
-        </p:spPr>
-        <p:txBody>
-          <a:bodyPr>
-            <a:normAutofit/>
-          </a:bodyPr>
-          <a:lstStyle/>
-          <a:p>
-            <a:r>
-              <a:rPr lang="zh-TW" altLang="en-US" sz="2400" b="1" dirty="0"/>
-              <a:t>題目</a:t>
-            </a:r>
-            <a:r>
-              <a:rPr lang="en-US" altLang="zh-TW" sz="2400" b="1" dirty="0"/>
-              <a:t>29. </a:t>
-            </a:r>
-            <a:r>
-              <a:rPr lang="zh-TW" altLang="en-US" sz="2400" b="1" dirty="0"/>
-              <a:t>身分證驗證器</a:t>
-            </a:r>
-          </a:p>
-        </p:txBody>
-      </p:sp>
-      <p:graphicFrame>
-        <p:nvGraphicFramePr>
-          <p:cNvPr id="5" name="內容版面配置區 2">
-            <a:extLst>
-              <a:ext uri="{FF2B5EF4-FFF2-40B4-BE49-F238E27FC236}">
-                <a16:creationId xmlns:a16="http://schemas.microsoft.com/office/drawing/2014/main" id="{B79F1320-04D0-4EA3-96DD-9006D69E9172}"/>
-              </a:ext>
-            </a:extLst>
-          </p:cNvPr>
-          <p:cNvGraphicFramePr>
-            <a:graphicFrameLocks noGrp="1"/>
-          </p:cNvGraphicFramePr>
-          <p:nvPr>
-            <p:ph idx="1"/>
-            <p:extLst>
-              <p:ext uri="{D42A27DB-BD31-4B8C-83A1-F6EECF244321}">
-                <p14:modId xmlns:p14="http://schemas.microsoft.com/office/powerpoint/2010/main" val="2478168750"/>
-              </p:ext>
-            </p:extLst>
-          </p:nvPr>
-        </p:nvGraphicFramePr>
-        <p:xfrm>
-          <a:off x="466725" y="765572"/>
-          <a:ext cx="4929188" cy="4191000"/>
-        </p:xfrm>
-        <a:graphic>
-          <a:graphicData uri="http://schemas.openxmlformats.org/drawingml/2006/diagram">
-            <dgm:relIds xmlns:dgm="http://schemas.openxmlformats.org/drawingml/2006/diagram" xmlns:r="http://schemas.openxmlformats.org/officeDocument/2006/relationships" r:dm="rId2" r:lo="rId3" r:qs="rId4" r:cs="rId5"/>
-          </a:graphicData>
-        </a:graphic>
-      </p:graphicFrame>
-    </p:spTree>
-    <p:extLst>
-      <p:ext uri="{BB962C8B-B14F-4D97-AF65-F5344CB8AC3E}">
-        <p14:creationId xmlns:p14="http://schemas.microsoft.com/office/powerpoint/2010/main" val="2402312671"/>
-      </p:ext>
-    </p:extLst>
-  </p:cSld>
-  <p:clrMapOvr>
-    <a:masterClrMapping/>
-  </p:clrMapOvr>
-</p:sld>
-</file>
-
-<file path=ppt/slides/slide9.xml><?xml version="1.0" encoding="utf-8"?>
-<p:sld xmlns:a="http://schemas.openxmlformats.org/drawingml/2006/main" xmlns:r="http://schemas.openxmlformats.org/officeDocument/2006/relationships" xmlns:p="http://schemas.openxmlformats.org/presentationml/2006/main">
-  <p:cSld>
-    <p:spTree>
-      <p:nvGrpSpPr>
-        <p:cNvPr id="1" name=""/>
-        <p:cNvGrpSpPr/>
-        <p:nvPr/>
-      </p:nvGrpSpPr>
-      <p:grpSpPr>
-        <a:xfrm>
-          <a:off x="0" y="0"/>
-          <a:ext cx="0" cy="0"/>
-          <a:chOff x="0" y="0"/>
-          <a:chExt cx="0" cy="0"/>
-        </a:xfrm>
-      </p:grpSpPr>
       <p:pic>
         <p:nvPicPr>
           <p:cNvPr id="5" name="圖片 4">
             <a:extLst>
               <a:ext uri="{FF2B5EF4-FFF2-40B4-BE49-F238E27FC236}">
-                <a16:creationId xmlns:a16="http://schemas.microsoft.com/office/drawing/2014/main" id="{AA9087E8-D313-1A49-AF6A-1A9A9885A3DE}"/>
+                <a16:creationId xmlns:a16="http://schemas.microsoft.com/office/drawing/2014/main" id="{F18502A6-F0AB-A348-8A7A-0E45079A531E}"/>
               </a:ext>
             </a:extLst>
           </p:cNvPr>
@@ -21062,30 +21736,25 @@
           <p:nvPr/>
         </p:nvPicPr>
         <p:blipFill>
-          <a:blip r:embed="rId2"/>
+          <a:blip r:embed="rId3"/>
           <a:stretch>
             <a:fillRect/>
           </a:stretch>
         </p:blipFill>
         <p:spPr>
           <a:xfrm>
-            <a:off x="401088" y="0"/>
-            <a:ext cx="6495932" cy="5715000"/>
+            <a:off x="2046717" y="3506180"/>
+            <a:ext cx="5050566" cy="2182041"/>
           </a:xfrm>
           <a:prstGeom prst="rect">
             <a:avLst/>
           </a:prstGeom>
-          <a:ln>
-            <a:solidFill>
-              <a:schemeClr val="accent1"/>
-            </a:solidFill>
-          </a:ln>
         </p:spPr>
       </p:pic>
     </p:spTree>
     <p:extLst>
       <p:ext uri="{BB962C8B-B14F-4D97-AF65-F5344CB8AC3E}">
-        <p14:creationId xmlns:p14="http://schemas.microsoft.com/office/powerpoint/2010/main" val="3355254503"/>
+        <p14:creationId xmlns:p14="http://schemas.microsoft.com/office/powerpoint/2010/main" val="4119976441"/>
       </p:ext>
     </p:extLst>
   </p:cSld>
